--- a/Segm_presentation.pptx
+++ b/Segm_presentation.pptx
@@ -969,7 +969,7 @@
           <a:noFill/>
           <a:extLst>
             <a:ext uri="{909E8E84-426E-40dd-AFC4-6F175D3DCCD1}">
-              <a14:hiddenFill xmlns:a14="http://schemas.microsoft.com/office/drawing/2010/main" xmlns="">
+              <a14:hiddenFill xmlns="" xmlns:a14="http://schemas.microsoft.com/office/drawing/2010/main">
                 <a:solidFill>
                   <a:srgbClr val="FFFFFF"/>
                 </a:solidFill>
@@ -1029,7 +1029,7 @@
             </a:ln>
             <a:extLst>
               <a:ext uri="{91240B29-F687-4f45-9708-019B960494DF}">
-                <a14:hiddenLine xmlns:a14="http://schemas.microsoft.com/office/drawing/2010/main" xmlns="" w="9525">
+                <a14:hiddenLine xmlns="" xmlns:a14="http://schemas.microsoft.com/office/drawing/2010/main" w="9525">
                   <a:solidFill>
                     <a:srgbClr val="000000"/>
                   </a:solidFill>
@@ -1119,7 +1119,7 @@
             </a:ln>
             <a:extLst>
               <a:ext uri="{91240B29-F687-4f45-9708-019B960494DF}">
-                <a14:hiddenLine xmlns:a14="http://schemas.microsoft.com/office/drawing/2010/main" xmlns="" w="9525">
+                <a14:hiddenLine xmlns="" xmlns:a14="http://schemas.microsoft.com/office/drawing/2010/main" w="9525">
                   <a:solidFill>
                     <a:srgbClr val="000000"/>
                   </a:solidFill>
@@ -1209,7 +1209,7 @@
             </a:ln>
             <a:extLst>
               <a:ext uri="{91240B29-F687-4f45-9708-019B960494DF}">
-                <a14:hiddenLine xmlns:a14="http://schemas.microsoft.com/office/drawing/2010/main" xmlns="" w="9525">
+                <a14:hiddenLine xmlns="" xmlns:a14="http://schemas.microsoft.com/office/drawing/2010/main" w="9525">
                   <a:solidFill>
                     <a:srgbClr val="000000"/>
                   </a:solidFill>
@@ -1243,7 +1243,7 @@
             </a:ln>
             <a:extLst>
               <a:ext uri="{91240B29-F687-4f45-9708-019B960494DF}">
-                <a14:hiddenLine xmlns:a14="http://schemas.microsoft.com/office/drawing/2010/main" xmlns="" w="9525">
+                <a14:hiddenLine xmlns="" xmlns:a14="http://schemas.microsoft.com/office/drawing/2010/main" w="9525">
                   <a:solidFill>
                     <a:srgbClr val="000000"/>
                   </a:solidFill>
@@ -1333,7 +1333,7 @@
             </a:ln>
             <a:extLst>
               <a:ext uri="{91240B29-F687-4f45-9708-019B960494DF}">
-                <a14:hiddenLine xmlns:a14="http://schemas.microsoft.com/office/drawing/2010/main" xmlns="" w="9525">
+                <a14:hiddenLine xmlns="" xmlns:a14="http://schemas.microsoft.com/office/drawing/2010/main" w="9525">
                   <a:solidFill>
                     <a:srgbClr val="000000"/>
                   </a:solidFill>
@@ -1395,7 +1395,7 @@
             </a:ln>
             <a:extLst>
               <a:ext uri="{91240B29-F687-4f45-9708-019B960494DF}">
-                <a14:hiddenLine xmlns:a14="http://schemas.microsoft.com/office/drawing/2010/main" xmlns="" w="9525">
+                <a14:hiddenLine xmlns="" xmlns:a14="http://schemas.microsoft.com/office/drawing/2010/main" w="9525">
                   <a:solidFill>
                     <a:srgbClr val="000000"/>
                   </a:solidFill>
@@ -1457,7 +1457,7 @@
             </a:ln>
             <a:extLst>
               <a:ext uri="{91240B29-F687-4f45-9708-019B960494DF}">
-                <a14:hiddenLine xmlns:a14="http://schemas.microsoft.com/office/drawing/2010/main" xmlns="" w="9525">
+                <a14:hiddenLine xmlns="" xmlns:a14="http://schemas.microsoft.com/office/drawing/2010/main" w="9525">
                   <a:solidFill>
                     <a:srgbClr val="000000"/>
                   </a:solidFill>
@@ -1547,7 +1547,7 @@
             </a:ln>
             <a:extLst>
               <a:ext uri="{91240B29-F687-4f45-9708-019B960494DF}">
-                <a14:hiddenLine xmlns:a14="http://schemas.microsoft.com/office/drawing/2010/main" xmlns="" w="9525">
+                <a14:hiddenLine xmlns="" xmlns:a14="http://schemas.microsoft.com/office/drawing/2010/main" w="9525">
                   <a:solidFill>
                     <a:srgbClr val="000000"/>
                   </a:solidFill>
@@ -1609,7 +1609,7 @@
             </a:ln>
             <a:extLst>
               <a:ext uri="{91240B29-F687-4f45-9708-019B960494DF}">
-                <a14:hiddenLine xmlns:a14="http://schemas.microsoft.com/office/drawing/2010/main" xmlns="" w="9525">
+                <a14:hiddenLine xmlns="" xmlns:a14="http://schemas.microsoft.com/office/drawing/2010/main" w="9525">
                   <a:solidFill>
                     <a:srgbClr val="000000"/>
                   </a:solidFill>
@@ -1671,7 +1671,7 @@
             </a:ln>
             <a:extLst>
               <a:ext uri="{91240B29-F687-4f45-9708-019B960494DF}">
-                <a14:hiddenLine xmlns:a14="http://schemas.microsoft.com/office/drawing/2010/main" xmlns="" w="9525">
+                <a14:hiddenLine xmlns="" xmlns:a14="http://schemas.microsoft.com/office/drawing/2010/main" w="9525">
                   <a:solidFill>
                     <a:srgbClr val="000000"/>
                   </a:solidFill>
@@ -1761,7 +1761,7 @@
             </a:ln>
             <a:extLst>
               <a:ext uri="{91240B29-F687-4f45-9708-019B960494DF}">
-                <a14:hiddenLine xmlns:a14="http://schemas.microsoft.com/office/drawing/2010/main" xmlns="" w="9525">
+                <a14:hiddenLine xmlns="" xmlns:a14="http://schemas.microsoft.com/office/drawing/2010/main" w="9525">
                   <a:solidFill>
                     <a:srgbClr val="000000"/>
                   </a:solidFill>
@@ -1851,7 +1851,7 @@
             </a:ln>
             <a:extLst>
               <a:ext uri="{91240B29-F687-4f45-9708-019B960494DF}">
-                <a14:hiddenLine xmlns:a14="http://schemas.microsoft.com/office/drawing/2010/main" xmlns="" w="9525">
+                <a14:hiddenLine xmlns="" xmlns:a14="http://schemas.microsoft.com/office/drawing/2010/main" w="9525">
                   <a:solidFill>
                     <a:srgbClr val="000000"/>
                   </a:solidFill>
@@ -1913,7 +1913,7 @@
             </a:ln>
             <a:extLst>
               <a:ext uri="{91240B29-F687-4f45-9708-019B960494DF}">
-                <a14:hiddenLine xmlns:a14="http://schemas.microsoft.com/office/drawing/2010/main" xmlns="" w="9525">
+                <a14:hiddenLine xmlns="" xmlns:a14="http://schemas.microsoft.com/office/drawing/2010/main" w="9525">
                   <a:solidFill>
                     <a:srgbClr val="000000"/>
                   </a:solidFill>
@@ -2023,7 +2023,7 @@
             </a:ln>
             <a:extLst>
               <a:ext uri="{91240B29-F687-4f45-9708-019B960494DF}">
-                <a14:hiddenLine xmlns:a14="http://schemas.microsoft.com/office/drawing/2010/main" xmlns="" w="9525">
+                <a14:hiddenLine xmlns="" xmlns:a14="http://schemas.microsoft.com/office/drawing/2010/main" w="9525">
                   <a:solidFill>
                     <a:srgbClr val="000000"/>
                   </a:solidFill>
@@ -2085,7 +2085,7 @@
             </a:ln>
             <a:extLst>
               <a:ext uri="{91240B29-F687-4f45-9708-019B960494DF}">
-                <a14:hiddenLine xmlns:a14="http://schemas.microsoft.com/office/drawing/2010/main" xmlns="" w="9525">
+                <a14:hiddenLine xmlns="" xmlns:a14="http://schemas.microsoft.com/office/drawing/2010/main" w="9525">
                   <a:solidFill>
                     <a:srgbClr val="000000"/>
                   </a:solidFill>
@@ -2175,7 +2175,7 @@
             </a:ln>
             <a:extLst>
               <a:ext uri="{91240B29-F687-4f45-9708-019B960494DF}">
-                <a14:hiddenLine xmlns:a14="http://schemas.microsoft.com/office/drawing/2010/main" xmlns="" w="9525">
+                <a14:hiddenLine xmlns="" xmlns:a14="http://schemas.microsoft.com/office/drawing/2010/main" w="9525">
                   <a:solidFill>
                     <a:srgbClr val="000000"/>
                   </a:solidFill>
@@ -2265,7 +2265,7 @@
             </a:ln>
             <a:extLst>
               <a:ext uri="{91240B29-F687-4f45-9708-019B960494DF}">
-                <a14:hiddenLine xmlns:a14="http://schemas.microsoft.com/office/drawing/2010/main" xmlns="" w="9525">
+                <a14:hiddenLine xmlns="" xmlns:a14="http://schemas.microsoft.com/office/drawing/2010/main" w="9525">
                   <a:solidFill>
                     <a:srgbClr val="000000"/>
                   </a:solidFill>
@@ -2327,7 +2327,7 @@
             </a:ln>
             <a:extLst>
               <a:ext uri="{91240B29-F687-4f45-9708-019B960494DF}">
-                <a14:hiddenLine xmlns:a14="http://schemas.microsoft.com/office/drawing/2010/main" xmlns="" w="9525">
+                <a14:hiddenLine xmlns="" xmlns:a14="http://schemas.microsoft.com/office/drawing/2010/main" w="9525">
                   <a:solidFill>
                     <a:srgbClr val="000000"/>
                   </a:solidFill>
@@ -2417,7 +2417,7 @@
             </a:ln>
             <a:extLst>
               <a:ext uri="{91240B29-F687-4f45-9708-019B960494DF}">
-                <a14:hiddenLine xmlns:a14="http://schemas.microsoft.com/office/drawing/2010/main" xmlns="" w="9525">
+                <a14:hiddenLine xmlns="" xmlns:a14="http://schemas.microsoft.com/office/drawing/2010/main" w="9525">
                   <a:solidFill>
                     <a:srgbClr val="000000"/>
                   </a:solidFill>
@@ -2507,7 +2507,7 @@
             </a:ln>
             <a:extLst>
               <a:ext uri="{91240B29-F687-4f45-9708-019B960494DF}">
-                <a14:hiddenLine xmlns:a14="http://schemas.microsoft.com/office/drawing/2010/main" xmlns="" w="9525">
+                <a14:hiddenLine xmlns="" xmlns:a14="http://schemas.microsoft.com/office/drawing/2010/main" w="9525">
                   <a:solidFill>
                     <a:srgbClr val="000000"/>
                   </a:solidFill>
@@ -2563,7 +2563,7 @@
             </a:ln>
             <a:extLst>
               <a:ext uri="{91240B29-F687-4f45-9708-019B960494DF}">
-                <a14:hiddenLine xmlns:a14="http://schemas.microsoft.com/office/drawing/2010/main" xmlns="" w="9525">
+                <a14:hiddenLine xmlns="" xmlns:a14="http://schemas.microsoft.com/office/drawing/2010/main" w="9525">
                   <a:solidFill>
                     <a:srgbClr val="000000"/>
                   </a:solidFill>
@@ -2653,7 +2653,7 @@
             </a:ln>
             <a:extLst>
               <a:ext uri="{91240B29-F687-4f45-9708-019B960494DF}">
-                <a14:hiddenLine xmlns:a14="http://schemas.microsoft.com/office/drawing/2010/main" xmlns="" w="9525">
+                <a14:hiddenLine xmlns="" xmlns:a14="http://schemas.microsoft.com/office/drawing/2010/main" w="9525">
                   <a:solidFill>
                     <a:srgbClr val="000000"/>
                   </a:solidFill>
@@ -2709,7 +2709,7 @@
             </a:ln>
             <a:extLst>
               <a:ext uri="{91240B29-F687-4f45-9708-019B960494DF}">
-                <a14:hiddenLine xmlns:a14="http://schemas.microsoft.com/office/drawing/2010/main" xmlns="" w="9525">
+                <a14:hiddenLine xmlns="" xmlns:a14="http://schemas.microsoft.com/office/drawing/2010/main" w="9525">
                   <a:solidFill>
                     <a:srgbClr val="000000"/>
                   </a:solidFill>
@@ -2799,7 +2799,7 @@
             </a:ln>
             <a:extLst>
               <a:ext uri="{91240B29-F687-4f45-9708-019B960494DF}">
-                <a14:hiddenLine xmlns:a14="http://schemas.microsoft.com/office/drawing/2010/main" xmlns="" w="9525">
+                <a14:hiddenLine xmlns="" xmlns:a14="http://schemas.microsoft.com/office/drawing/2010/main" w="9525">
                   <a:solidFill>
                     <a:srgbClr val="000000"/>
                   </a:solidFill>
@@ -2867,7 +2867,7 @@
             </a:ln>
             <a:extLst>
               <a:ext uri="{91240B29-F687-4f45-9708-019B960494DF}">
-                <a14:hiddenLine xmlns:a14="http://schemas.microsoft.com/office/drawing/2010/main" xmlns="" w="9525">
+                <a14:hiddenLine xmlns="" xmlns:a14="http://schemas.microsoft.com/office/drawing/2010/main" w="9525">
                   <a:solidFill>
                     <a:srgbClr val="000000"/>
                   </a:solidFill>
@@ -2957,7 +2957,7 @@
             </a:ln>
             <a:extLst>
               <a:ext uri="{91240B29-F687-4f45-9708-019B960494DF}">
-                <a14:hiddenLine xmlns:a14="http://schemas.microsoft.com/office/drawing/2010/main" xmlns="" w="9525">
+                <a14:hiddenLine xmlns="" xmlns:a14="http://schemas.microsoft.com/office/drawing/2010/main" w="9525">
                   <a:solidFill>
                     <a:srgbClr val="000000"/>
                   </a:solidFill>
@@ -3025,7 +3025,7 @@
             </a:ln>
             <a:extLst>
               <a:ext uri="{91240B29-F687-4f45-9708-019B960494DF}">
-                <a14:hiddenLine xmlns:a14="http://schemas.microsoft.com/office/drawing/2010/main" xmlns="" w="9525">
+                <a14:hiddenLine xmlns="" xmlns:a14="http://schemas.microsoft.com/office/drawing/2010/main" w="9525">
                   <a:solidFill>
                     <a:srgbClr val="000000"/>
                   </a:solidFill>
@@ -3115,7 +3115,7 @@
             </a:ln>
             <a:extLst>
               <a:ext uri="{91240B29-F687-4f45-9708-019B960494DF}">
-                <a14:hiddenLine xmlns:a14="http://schemas.microsoft.com/office/drawing/2010/main" xmlns="" w="9525">
+                <a14:hiddenLine xmlns="" xmlns:a14="http://schemas.microsoft.com/office/drawing/2010/main" w="9525">
                   <a:solidFill>
                     <a:srgbClr val="000000"/>
                   </a:solidFill>
@@ -3149,7 +3149,7 @@
             </a:ln>
             <a:extLst>
               <a:ext uri="{91240B29-F687-4f45-9708-019B960494DF}">
-                <a14:hiddenLine xmlns:a14="http://schemas.microsoft.com/office/drawing/2010/main" xmlns="" w="9525">
+                <a14:hiddenLine xmlns="" xmlns:a14="http://schemas.microsoft.com/office/drawing/2010/main" w="9525">
                   <a:solidFill>
                     <a:srgbClr val="000000"/>
                   </a:solidFill>
@@ -3239,7 +3239,7 @@
             </a:ln>
             <a:extLst>
               <a:ext uri="{91240B29-F687-4f45-9708-019B960494DF}">
-                <a14:hiddenLine xmlns:a14="http://schemas.microsoft.com/office/drawing/2010/main" xmlns="" w="9525">
+                <a14:hiddenLine xmlns="" xmlns:a14="http://schemas.microsoft.com/office/drawing/2010/main" w="9525">
                   <a:solidFill>
                     <a:srgbClr val="000000"/>
                   </a:solidFill>
@@ -3301,7 +3301,7 @@
             </a:ln>
             <a:extLst>
               <a:ext uri="{91240B29-F687-4f45-9708-019B960494DF}">
-                <a14:hiddenLine xmlns:a14="http://schemas.microsoft.com/office/drawing/2010/main" xmlns="" w="9525">
+                <a14:hiddenLine xmlns="" xmlns:a14="http://schemas.microsoft.com/office/drawing/2010/main" w="9525">
                   <a:solidFill>
                     <a:srgbClr val="000000"/>
                   </a:solidFill>
@@ -3363,7 +3363,7 @@
             </a:ln>
             <a:extLst>
               <a:ext uri="{91240B29-F687-4f45-9708-019B960494DF}">
-                <a14:hiddenLine xmlns:a14="http://schemas.microsoft.com/office/drawing/2010/main" xmlns="" w="9525">
+                <a14:hiddenLine xmlns="" xmlns:a14="http://schemas.microsoft.com/office/drawing/2010/main" w="9525">
                   <a:solidFill>
                     <a:srgbClr val="000000"/>
                   </a:solidFill>
@@ -3453,7 +3453,7 @@
             </a:ln>
             <a:extLst>
               <a:ext uri="{91240B29-F687-4f45-9708-019B960494DF}">
-                <a14:hiddenLine xmlns:a14="http://schemas.microsoft.com/office/drawing/2010/main" xmlns="" w="9525">
+                <a14:hiddenLine xmlns="" xmlns:a14="http://schemas.microsoft.com/office/drawing/2010/main" w="9525">
                   <a:solidFill>
                     <a:srgbClr val="000000"/>
                   </a:solidFill>
@@ -3521,7 +3521,7 @@
             </a:ln>
             <a:extLst>
               <a:ext uri="{91240B29-F687-4f45-9708-019B960494DF}">
-                <a14:hiddenLine xmlns:a14="http://schemas.microsoft.com/office/drawing/2010/main" xmlns="" w="9525">
+                <a14:hiddenLine xmlns="" xmlns:a14="http://schemas.microsoft.com/office/drawing/2010/main" w="9525">
                   <a:solidFill>
                     <a:srgbClr val="000000"/>
                   </a:solidFill>
@@ -3583,7 +3583,7 @@
             </a:ln>
             <a:extLst>
               <a:ext uri="{91240B29-F687-4f45-9708-019B960494DF}">
-                <a14:hiddenLine xmlns:a14="http://schemas.microsoft.com/office/drawing/2010/main" xmlns="" w="9525">
+                <a14:hiddenLine xmlns="" xmlns:a14="http://schemas.microsoft.com/office/drawing/2010/main" w="9525">
                   <a:solidFill>
                     <a:srgbClr val="000000"/>
                   </a:solidFill>
@@ -3673,7 +3673,7 @@
             </a:ln>
             <a:extLst>
               <a:ext uri="{91240B29-F687-4f45-9708-019B960494DF}">
-                <a14:hiddenLine xmlns:a14="http://schemas.microsoft.com/office/drawing/2010/main" xmlns="" w="9525">
+                <a14:hiddenLine xmlns="" xmlns:a14="http://schemas.microsoft.com/office/drawing/2010/main" w="9525">
                   <a:solidFill>
                     <a:srgbClr val="000000"/>
                   </a:solidFill>
@@ -3735,7 +3735,7 @@
             </a:ln>
             <a:extLst>
               <a:ext uri="{91240B29-F687-4f45-9708-019B960494DF}">
-                <a14:hiddenLine xmlns:a14="http://schemas.microsoft.com/office/drawing/2010/main" xmlns="" w="9525">
+                <a14:hiddenLine xmlns="" xmlns:a14="http://schemas.microsoft.com/office/drawing/2010/main" w="9525">
                   <a:solidFill>
                     <a:srgbClr val="000000"/>
                   </a:solidFill>
@@ -3825,7 +3825,7 @@
             </a:ln>
             <a:extLst>
               <a:ext uri="{91240B29-F687-4f45-9708-019B960494DF}">
-                <a14:hiddenLine xmlns:a14="http://schemas.microsoft.com/office/drawing/2010/main" xmlns="" w="9525">
+                <a14:hiddenLine xmlns="" xmlns:a14="http://schemas.microsoft.com/office/drawing/2010/main" w="9525">
                   <a:solidFill>
                     <a:srgbClr val="000000"/>
                   </a:solidFill>
@@ -3887,7 +3887,7 @@
             </a:ln>
             <a:extLst>
               <a:ext uri="{91240B29-F687-4f45-9708-019B960494DF}">
-                <a14:hiddenLine xmlns:a14="http://schemas.microsoft.com/office/drawing/2010/main" xmlns="" w="9525">
+                <a14:hiddenLine xmlns="" xmlns:a14="http://schemas.microsoft.com/office/drawing/2010/main" w="9525">
                   <a:solidFill>
                     <a:srgbClr val="000000"/>
                   </a:solidFill>
@@ -3977,7 +3977,7 @@
             </a:ln>
             <a:extLst>
               <a:ext uri="{91240B29-F687-4f45-9708-019B960494DF}">
-                <a14:hiddenLine xmlns:a14="http://schemas.microsoft.com/office/drawing/2010/main" xmlns="" w="9525">
+                <a14:hiddenLine xmlns="" xmlns:a14="http://schemas.microsoft.com/office/drawing/2010/main" w="9525">
                   <a:solidFill>
                     <a:srgbClr val="000000"/>
                   </a:solidFill>
@@ -4011,7 +4011,7 @@
             </a:ln>
             <a:extLst>
               <a:ext uri="{91240B29-F687-4f45-9708-019B960494DF}">
-                <a14:hiddenLine xmlns:a14="http://schemas.microsoft.com/office/drawing/2010/main" xmlns="" w="9525">
+                <a14:hiddenLine xmlns="" xmlns:a14="http://schemas.microsoft.com/office/drawing/2010/main" w="9525">
                   <a:solidFill>
                     <a:srgbClr val="000000"/>
                   </a:solidFill>
@@ -4076,7 +4076,7 @@
             </a:ln>
             <a:extLst>
               <a:ext uri="{91240B29-F687-4f45-9708-019B960494DF}">
-                <a14:hiddenLine xmlns:a14="http://schemas.microsoft.com/office/drawing/2010/main" xmlns="" w="9525">
+                <a14:hiddenLine xmlns="" xmlns:a14="http://schemas.microsoft.com/office/drawing/2010/main" w="9525">
                   <a:solidFill>
                     <a:srgbClr val="000000"/>
                   </a:solidFill>
@@ -4166,7 +4166,7 @@
             </a:ln>
             <a:extLst>
               <a:ext uri="{91240B29-F687-4f45-9708-019B960494DF}">
-                <a14:hiddenLine xmlns:a14="http://schemas.microsoft.com/office/drawing/2010/main" xmlns="" w="9525">
+                <a14:hiddenLine xmlns="" xmlns:a14="http://schemas.microsoft.com/office/drawing/2010/main" w="9525">
                   <a:solidFill>
                     <a:srgbClr val="000000"/>
                   </a:solidFill>
@@ -4228,7 +4228,7 @@
             </a:ln>
             <a:extLst>
               <a:ext uri="{91240B29-F687-4f45-9708-019B960494DF}">
-                <a14:hiddenLine xmlns:a14="http://schemas.microsoft.com/office/drawing/2010/main" xmlns="" w="9525">
+                <a14:hiddenLine xmlns="" xmlns:a14="http://schemas.microsoft.com/office/drawing/2010/main" w="9525">
                   <a:solidFill>
                     <a:srgbClr val="000000"/>
                   </a:solidFill>
@@ -4318,7 +4318,7 @@
             </a:ln>
             <a:extLst>
               <a:ext uri="{91240B29-F687-4f45-9708-019B960494DF}">
-                <a14:hiddenLine xmlns:a14="http://schemas.microsoft.com/office/drawing/2010/main" xmlns="" w="9525">
+                <a14:hiddenLine xmlns="" xmlns:a14="http://schemas.microsoft.com/office/drawing/2010/main" w="9525">
                   <a:solidFill>
                     <a:srgbClr val="000000"/>
                   </a:solidFill>
@@ -4408,7 +4408,7 @@
             </a:ln>
             <a:extLst>
               <a:ext uri="{91240B29-F687-4f45-9708-019B960494DF}">
-                <a14:hiddenLine xmlns:a14="http://schemas.microsoft.com/office/drawing/2010/main" xmlns="" w="9525">
+                <a14:hiddenLine xmlns="" xmlns:a14="http://schemas.microsoft.com/office/drawing/2010/main" w="9525">
                   <a:solidFill>
                     <a:srgbClr val="000000"/>
                   </a:solidFill>
@@ -4473,7 +4473,7 @@
             </a:ln>
             <a:extLst>
               <a:ext uri="{91240B29-F687-4f45-9708-019B960494DF}">
-                <a14:hiddenLine xmlns:a14="http://schemas.microsoft.com/office/drawing/2010/main" xmlns="" w="9525">
+                <a14:hiddenLine xmlns="" xmlns:a14="http://schemas.microsoft.com/office/drawing/2010/main" w="9525">
                   <a:solidFill>
                     <a:srgbClr val="000000"/>
                   </a:solidFill>
@@ -4535,7 +4535,7 @@
             </a:ln>
             <a:extLst>
               <a:ext uri="{91240B29-F687-4f45-9708-019B960494DF}">
-                <a14:hiddenLine xmlns:a14="http://schemas.microsoft.com/office/drawing/2010/main" xmlns="" w="9525">
+                <a14:hiddenLine xmlns="" xmlns:a14="http://schemas.microsoft.com/office/drawing/2010/main" w="9525">
                   <a:solidFill>
                     <a:srgbClr val="000000"/>
                   </a:solidFill>
@@ -4625,7 +4625,7 @@
             </a:ln>
             <a:extLst>
               <a:ext uri="{91240B29-F687-4f45-9708-019B960494DF}">
-                <a14:hiddenLine xmlns:a14="http://schemas.microsoft.com/office/drawing/2010/main" xmlns="" w="9525">
+                <a14:hiddenLine xmlns="" xmlns:a14="http://schemas.microsoft.com/office/drawing/2010/main" w="9525">
                   <a:solidFill>
                     <a:srgbClr val="000000"/>
                   </a:solidFill>
@@ -4715,7 +4715,7 @@
             </a:ln>
             <a:extLst>
               <a:ext uri="{91240B29-F687-4f45-9708-019B960494DF}">
-                <a14:hiddenLine xmlns:a14="http://schemas.microsoft.com/office/drawing/2010/main" xmlns="" w="9525">
+                <a14:hiddenLine xmlns="" xmlns:a14="http://schemas.microsoft.com/office/drawing/2010/main" w="9525">
                   <a:solidFill>
                     <a:srgbClr val="000000"/>
                   </a:solidFill>
@@ -4777,7 +4777,7 @@
             </a:ln>
             <a:extLst>
               <a:ext uri="{91240B29-F687-4f45-9708-019B960494DF}">
-                <a14:hiddenLine xmlns:a14="http://schemas.microsoft.com/office/drawing/2010/main" xmlns="" w="9525">
+                <a14:hiddenLine xmlns="" xmlns:a14="http://schemas.microsoft.com/office/drawing/2010/main" w="9525">
                   <a:solidFill>
                     <a:srgbClr val="000000"/>
                   </a:solidFill>
@@ -4897,7 +4897,7 @@
             </a:ln>
             <a:extLst>
               <a:ext uri="{91240B29-F687-4f45-9708-019B960494DF}">
-                <a14:hiddenLine xmlns:a14="http://schemas.microsoft.com/office/drawing/2010/main" xmlns="" w="9525">
+                <a14:hiddenLine xmlns="" xmlns:a14="http://schemas.microsoft.com/office/drawing/2010/main" w="9525">
                   <a:solidFill>
                     <a:srgbClr val="000000"/>
                   </a:solidFill>
@@ -4965,7 +4965,7 @@
             </a:ln>
             <a:extLst>
               <a:ext uri="{91240B29-F687-4f45-9708-019B960494DF}">
-                <a14:hiddenLine xmlns:a14="http://schemas.microsoft.com/office/drawing/2010/main" xmlns="" w="9525">
+                <a14:hiddenLine xmlns="" xmlns:a14="http://schemas.microsoft.com/office/drawing/2010/main" w="9525">
                   <a:solidFill>
                     <a:srgbClr val="000000"/>
                   </a:solidFill>
@@ -5055,7 +5055,7 @@
             </a:ln>
             <a:extLst>
               <a:ext uri="{91240B29-F687-4f45-9708-019B960494DF}">
-                <a14:hiddenLine xmlns:a14="http://schemas.microsoft.com/office/drawing/2010/main" xmlns="" w="9525">
+                <a14:hiddenLine xmlns="" xmlns:a14="http://schemas.microsoft.com/office/drawing/2010/main" w="9525">
                   <a:solidFill>
                     <a:srgbClr val="000000"/>
                   </a:solidFill>
@@ -5196,7 +5196,7 @@
             <a:fld id="{B61BEF0D-F0BB-DE4B-95CE-6DB70DBA9567}" type="datetimeFigureOut">
               <a:rPr lang="en-US" smtClean="0"/>
               <a:pPr/>
-              <a:t>11/18/2024</a:t>
+              <a:t>11/19/2024</a:t>
             </a:fld>
             <a:endParaRPr lang="en-US" dirty="0"/>
           </a:p>
@@ -5466,7 +5466,7 @@
             <a:fld id="{B61BEF0D-F0BB-DE4B-95CE-6DB70DBA9567}" type="datetimeFigureOut">
               <a:rPr lang="en-US" smtClean="0"/>
               <a:pPr/>
-              <a:t>11/18/2024</a:t>
+              <a:t>11/19/2024</a:t>
             </a:fld>
             <a:endParaRPr lang="en-US" dirty="0"/>
           </a:p>
@@ -5665,7 +5665,7 @@
             <a:fld id="{B61BEF0D-F0BB-DE4B-95CE-6DB70DBA9567}" type="datetimeFigureOut">
               <a:rPr lang="en-US" smtClean="0"/>
               <a:pPr/>
-              <a:t>11/18/2024</a:t>
+              <a:t>11/19/2024</a:t>
             </a:fld>
             <a:endParaRPr lang="en-US" dirty="0"/>
           </a:p>
@@ -5931,7 +5931,7 @@
             <a:fld id="{B61BEF0D-F0BB-DE4B-95CE-6DB70DBA9567}" type="datetimeFigureOut">
               <a:rPr lang="en-US" smtClean="0"/>
               <a:pPr/>
-              <a:t>11/18/2024</a:t>
+              <a:t>11/19/2024</a:t>
             </a:fld>
             <a:endParaRPr lang="en-US" dirty="0"/>
           </a:p>
@@ -6368,7 +6368,7 @@
             <a:fld id="{B61BEF0D-F0BB-DE4B-95CE-6DB70DBA9567}" type="datetimeFigureOut">
               <a:rPr lang="en-US" smtClean="0"/>
               <a:pPr/>
-              <a:t>11/18/2024</a:t>
+              <a:t>11/19/2024</a:t>
             </a:fld>
             <a:endParaRPr lang="en-US" dirty="0"/>
           </a:p>
@@ -6917,7 +6917,7 @@
             <a:fld id="{B61BEF0D-F0BB-DE4B-95CE-6DB70DBA9567}" type="datetimeFigureOut">
               <a:rPr lang="en-US" smtClean="0"/>
               <a:pPr/>
-              <a:t>11/18/2024</a:t>
+              <a:t>11/19/2024</a:t>
             </a:fld>
             <a:endParaRPr lang="en-US" dirty="0"/>
           </a:p>
@@ -7640,7 +7640,7 @@
             <a:fld id="{B61BEF0D-F0BB-DE4B-95CE-6DB70DBA9567}" type="datetimeFigureOut">
               <a:rPr lang="en-US" smtClean="0"/>
               <a:pPr/>
-              <a:t>11/18/2024</a:t>
+              <a:t>11/19/2024</a:t>
             </a:fld>
             <a:endParaRPr lang="en-US" dirty="0"/>
           </a:p>
@@ -7812,7 +7812,7 @@
           <a:p>
             <a:fld id="{55C6B4A9-1611-4792-9094-5F34BCA07E0B}" type="datetimeFigureOut">
               <a:rPr lang="en-US" smtClean="0"/>
-              <a:t>11/18/2024</a:t>
+              <a:t>11/19/2024</a:t>
             </a:fld>
             <a:endParaRPr lang="en-US" dirty="0"/>
           </a:p>
@@ -7994,7 +7994,7 @@
             <a:fld id="{B61BEF0D-F0BB-DE4B-95CE-6DB70DBA9567}" type="datetimeFigureOut">
               <a:rPr lang="en-US" smtClean="0"/>
               <a:pPr/>
-              <a:t>11/18/2024</a:t>
+              <a:t>11/19/2024</a:t>
             </a:fld>
             <a:endParaRPr lang="en-US" dirty="0"/>
           </a:p>
@@ -8202,7 +8202,7 @@
             <a:fld id="{B61BEF0D-F0BB-DE4B-95CE-6DB70DBA9567}" type="datetimeFigureOut">
               <a:rPr lang="en-US" smtClean="0"/>
               <a:pPr/>
-              <a:t>11/18/2024</a:t>
+              <a:t>11/19/2024</a:t>
             </a:fld>
             <a:endParaRPr lang="en-US" dirty="0"/>
           </a:p>
@@ -8455,7 +8455,7 @@
             <a:fld id="{B61BEF0D-F0BB-DE4B-95CE-6DB70DBA9567}" type="datetimeFigureOut">
               <a:rPr lang="en-US" smtClean="0"/>
               <a:pPr/>
-              <a:t>11/18/2024</a:t>
+              <a:t>11/19/2024</a:t>
             </a:fld>
             <a:endParaRPr lang="en-US" dirty="0"/>
           </a:p>
@@ -8689,7 +8689,7 @@
           <a:p>
             <a:fld id="{EB712588-04B1-427B-82EE-E8DB90309F08}" type="datetimeFigureOut">
               <a:rPr lang="en-US" smtClean="0"/>
-              <a:t>11/18/2024</a:t>
+              <a:t>11/19/2024</a:t>
             </a:fld>
             <a:endParaRPr lang="en-US" dirty="0"/>
           </a:p>
@@ -9072,7 +9072,7 @@
             <a:fld id="{B61BEF0D-F0BB-DE4B-95CE-6DB70DBA9567}" type="datetimeFigureOut">
               <a:rPr lang="en-US" smtClean="0"/>
               <a:pPr/>
-              <a:t>11/18/2024</a:t>
+              <a:t>11/19/2024</a:t>
             </a:fld>
             <a:endParaRPr lang="en-US" dirty="0"/>
           </a:p>
@@ -9193,7 +9193,7 @@
             <a:fld id="{B61BEF0D-F0BB-DE4B-95CE-6DB70DBA9567}" type="datetimeFigureOut">
               <a:rPr lang="en-US" smtClean="0"/>
               <a:pPr/>
-              <a:t>11/18/2024</a:t>
+              <a:t>11/19/2024</a:t>
             </a:fld>
             <a:endParaRPr lang="en-US" dirty="0"/>
           </a:p>
@@ -9291,7 +9291,7 @@
             <a:fld id="{B61BEF0D-F0BB-DE4B-95CE-6DB70DBA9567}" type="datetimeFigureOut">
               <a:rPr lang="en-US" smtClean="0"/>
               <a:pPr/>
-              <a:t>11/18/2024</a:t>
+              <a:t>11/19/2024</a:t>
             </a:fld>
             <a:endParaRPr lang="en-US" dirty="0"/>
           </a:p>
@@ -9542,7 +9542,7 @@
           <a:p>
             <a:fld id="{42A54C80-263E-416B-A8E0-580EDEADCBDC}" type="datetimeFigureOut">
               <a:rPr lang="en-US" smtClean="0"/>
-              <a:t>11/18/2024</a:t>
+              <a:t>11/19/2024</a:t>
             </a:fld>
             <a:endParaRPr lang="en-US" dirty="0"/>
           </a:p>
@@ -9824,7 +9824,7 @@
             <a:fld id="{B61BEF0D-F0BB-DE4B-95CE-6DB70DBA9567}" type="datetimeFigureOut">
               <a:rPr lang="en-US" smtClean="0"/>
               <a:pPr/>
-              <a:t>11/18/2024</a:t>
+              <a:t>11/19/2024</a:t>
             </a:fld>
             <a:endParaRPr lang="en-US" dirty="0"/>
           </a:p>
@@ -9942,7 +9942,7 @@
           <a:noFill/>
           <a:extLst>
             <a:ext uri="{909E8E84-426E-40dd-AFC4-6F175D3DCCD1}">
-              <a14:hiddenFill xmlns:a14="http://schemas.microsoft.com/office/drawing/2010/main" xmlns="">
+              <a14:hiddenFill xmlns="" xmlns:a14="http://schemas.microsoft.com/office/drawing/2010/main">
                 <a:solidFill>
                   <a:srgbClr val="FFFFFF"/>
                 </a:solidFill>
@@ -10016,7 +10016,7 @@
               </a:ln>
               <a:extLst>
                 <a:ext uri="{91240B29-F687-4f45-9708-019B960494DF}">
-                  <a14:hiddenLine xmlns:a14="http://schemas.microsoft.com/office/drawing/2010/main" xmlns="" w="9525">
+                  <a14:hiddenLine xmlns="" xmlns:a14="http://schemas.microsoft.com/office/drawing/2010/main" w="9525">
                     <a:solidFill>
                       <a:srgbClr val="000000"/>
                     </a:solidFill>
@@ -10106,7 +10106,7 @@
               </a:ln>
               <a:extLst>
                 <a:ext uri="{91240B29-F687-4f45-9708-019B960494DF}">
-                  <a14:hiddenLine xmlns:a14="http://schemas.microsoft.com/office/drawing/2010/main" xmlns="" w="9525">
+                  <a14:hiddenLine xmlns="" xmlns:a14="http://schemas.microsoft.com/office/drawing/2010/main" w="9525">
                     <a:solidFill>
                       <a:srgbClr val="000000"/>
                     </a:solidFill>
@@ -10196,7 +10196,7 @@
               </a:ln>
               <a:extLst>
                 <a:ext uri="{91240B29-F687-4f45-9708-019B960494DF}">
-                  <a14:hiddenLine xmlns:a14="http://schemas.microsoft.com/office/drawing/2010/main" xmlns="" w="9525">
+                  <a14:hiddenLine xmlns="" xmlns:a14="http://schemas.microsoft.com/office/drawing/2010/main" w="9525">
                     <a:solidFill>
                       <a:srgbClr val="000000"/>
                     </a:solidFill>
@@ -10258,7 +10258,7 @@
               </a:ln>
               <a:extLst>
                 <a:ext uri="{91240B29-F687-4f45-9708-019B960494DF}">
-                  <a14:hiddenLine xmlns:a14="http://schemas.microsoft.com/office/drawing/2010/main" xmlns="" w="9525">
+                  <a14:hiddenLine xmlns="" xmlns:a14="http://schemas.microsoft.com/office/drawing/2010/main" w="9525">
                     <a:solidFill>
                       <a:srgbClr val="000000"/>
                     </a:solidFill>
@@ -10348,7 +10348,7 @@
               </a:ln>
               <a:extLst>
                 <a:ext uri="{91240B29-F687-4f45-9708-019B960494DF}">
-                  <a14:hiddenLine xmlns:a14="http://schemas.microsoft.com/office/drawing/2010/main" xmlns="" w="9525">
+                  <a14:hiddenLine xmlns="" xmlns:a14="http://schemas.microsoft.com/office/drawing/2010/main" w="9525">
                     <a:solidFill>
                       <a:srgbClr val="000000"/>
                     </a:solidFill>
@@ -10410,7 +10410,7 @@
               </a:ln>
               <a:extLst>
                 <a:ext uri="{91240B29-F687-4f45-9708-019B960494DF}">
-                  <a14:hiddenLine xmlns:a14="http://schemas.microsoft.com/office/drawing/2010/main" xmlns="" w="9525">
+                  <a14:hiddenLine xmlns="" xmlns:a14="http://schemas.microsoft.com/office/drawing/2010/main" w="9525">
                     <a:solidFill>
                       <a:srgbClr val="000000"/>
                     </a:solidFill>
@@ -10472,7 +10472,7 @@
               </a:ln>
               <a:extLst>
                 <a:ext uri="{91240B29-F687-4f45-9708-019B960494DF}">
-                  <a14:hiddenLine xmlns:a14="http://schemas.microsoft.com/office/drawing/2010/main" xmlns="" w="9525">
+                  <a14:hiddenLine xmlns="" xmlns:a14="http://schemas.microsoft.com/office/drawing/2010/main" w="9525">
                     <a:solidFill>
                       <a:srgbClr val="000000"/>
                     </a:solidFill>
@@ -10562,7 +10562,7 @@
               </a:ln>
               <a:extLst>
                 <a:ext uri="{91240B29-F687-4f45-9708-019B960494DF}">
-                  <a14:hiddenLine xmlns:a14="http://schemas.microsoft.com/office/drawing/2010/main" xmlns="" w="9525">
+                  <a14:hiddenLine xmlns="" xmlns:a14="http://schemas.microsoft.com/office/drawing/2010/main" w="9525">
                     <a:solidFill>
                       <a:srgbClr val="000000"/>
                     </a:solidFill>
@@ -10652,7 +10652,7 @@
               </a:ln>
               <a:extLst>
                 <a:ext uri="{91240B29-F687-4f45-9708-019B960494DF}">
-                  <a14:hiddenLine xmlns:a14="http://schemas.microsoft.com/office/drawing/2010/main" xmlns="" w="9525">
+                  <a14:hiddenLine xmlns="" xmlns:a14="http://schemas.microsoft.com/office/drawing/2010/main" w="9525">
                     <a:solidFill>
                       <a:srgbClr val="000000"/>
                     </a:solidFill>
@@ -10714,7 +10714,7 @@
               </a:ln>
               <a:extLst>
                 <a:ext uri="{91240B29-F687-4f45-9708-019B960494DF}">
-                  <a14:hiddenLine xmlns:a14="http://schemas.microsoft.com/office/drawing/2010/main" xmlns="" w="9525">
+                  <a14:hiddenLine xmlns="" xmlns:a14="http://schemas.microsoft.com/office/drawing/2010/main" w="9525">
                     <a:solidFill>
                       <a:srgbClr val="000000"/>
                     </a:solidFill>
@@ -10824,7 +10824,7 @@
               </a:ln>
               <a:extLst>
                 <a:ext uri="{91240B29-F687-4f45-9708-019B960494DF}">
-                  <a14:hiddenLine xmlns:a14="http://schemas.microsoft.com/office/drawing/2010/main" xmlns="" w="9525">
+                  <a14:hiddenLine xmlns="" xmlns:a14="http://schemas.microsoft.com/office/drawing/2010/main" w="9525">
                     <a:solidFill>
                       <a:srgbClr val="000000"/>
                     </a:solidFill>
@@ -10908,7 +10908,7 @@
               </a:ln>
               <a:extLst>
                 <a:ext uri="{91240B29-F687-4f45-9708-019B960494DF}">
-                  <a14:hiddenLine xmlns:a14="http://schemas.microsoft.com/office/drawing/2010/main" xmlns="" w="9525">
+                  <a14:hiddenLine xmlns="" xmlns:a14="http://schemas.microsoft.com/office/drawing/2010/main" w="9525">
                     <a:solidFill>
                       <a:srgbClr val="000000"/>
                     </a:solidFill>
@@ -10970,7 +10970,7 @@
               </a:ln>
               <a:extLst>
                 <a:ext uri="{91240B29-F687-4f45-9708-019B960494DF}">
-                  <a14:hiddenLine xmlns:a14="http://schemas.microsoft.com/office/drawing/2010/main" xmlns="" w="9525">
+                  <a14:hiddenLine xmlns="" xmlns:a14="http://schemas.microsoft.com/office/drawing/2010/main" w="9525">
                     <a:solidFill>
                       <a:srgbClr val="000000"/>
                     </a:solidFill>
@@ -11032,7 +11032,7 @@
               </a:ln>
               <a:extLst>
                 <a:ext uri="{91240B29-F687-4f45-9708-019B960494DF}">
-                  <a14:hiddenLine xmlns:a14="http://schemas.microsoft.com/office/drawing/2010/main" xmlns="" w="9525">
+                  <a14:hiddenLine xmlns="" xmlns:a14="http://schemas.microsoft.com/office/drawing/2010/main" w="9525">
                     <a:solidFill>
                       <a:srgbClr val="000000"/>
                     </a:solidFill>
@@ -11122,7 +11122,7 @@
               </a:ln>
               <a:extLst>
                 <a:ext uri="{91240B29-F687-4f45-9708-019B960494DF}">
-                  <a14:hiddenLine xmlns:a14="http://schemas.microsoft.com/office/drawing/2010/main" xmlns="" w="9525">
+                  <a14:hiddenLine xmlns="" xmlns:a14="http://schemas.microsoft.com/office/drawing/2010/main" w="9525">
                     <a:solidFill>
                       <a:srgbClr val="000000"/>
                     </a:solidFill>
@@ -11156,7 +11156,7 @@
               </a:ln>
               <a:extLst>
                 <a:ext uri="{91240B29-F687-4f45-9708-019B960494DF}">
-                  <a14:hiddenLine xmlns:a14="http://schemas.microsoft.com/office/drawing/2010/main" xmlns="" w="9525">
+                  <a14:hiddenLine xmlns="" xmlns:a14="http://schemas.microsoft.com/office/drawing/2010/main" w="9525">
                     <a:solidFill>
                       <a:srgbClr val="000000"/>
                     </a:solidFill>
@@ -11221,7 +11221,7 @@
               </a:ln>
               <a:extLst>
                 <a:ext uri="{91240B29-F687-4f45-9708-019B960494DF}">
-                  <a14:hiddenLine xmlns:a14="http://schemas.microsoft.com/office/drawing/2010/main" xmlns="" w="9525">
+                  <a14:hiddenLine xmlns="" xmlns:a14="http://schemas.microsoft.com/office/drawing/2010/main" w="9525">
                     <a:solidFill>
                       <a:srgbClr val="000000"/>
                     </a:solidFill>
@@ -11311,7 +11311,7 @@
               </a:ln>
               <a:extLst>
                 <a:ext uri="{91240B29-F687-4f45-9708-019B960494DF}">
-                  <a14:hiddenLine xmlns:a14="http://schemas.microsoft.com/office/drawing/2010/main" xmlns="" w="9525">
+                  <a14:hiddenLine xmlns="" xmlns:a14="http://schemas.microsoft.com/office/drawing/2010/main" w="9525">
                     <a:solidFill>
                       <a:srgbClr val="000000"/>
                     </a:solidFill>
@@ -11373,7 +11373,7 @@
               </a:ln>
               <a:extLst>
                 <a:ext uri="{91240B29-F687-4f45-9708-019B960494DF}">
-                  <a14:hiddenLine xmlns:a14="http://schemas.microsoft.com/office/drawing/2010/main" xmlns="" w="9525">
+                  <a14:hiddenLine xmlns="" xmlns:a14="http://schemas.microsoft.com/office/drawing/2010/main" w="9525">
                     <a:solidFill>
                       <a:srgbClr val="000000"/>
                     </a:solidFill>
@@ -11463,7 +11463,7 @@
               </a:ln>
               <a:extLst>
                 <a:ext uri="{91240B29-F687-4f45-9708-019B960494DF}">
-                  <a14:hiddenLine xmlns:a14="http://schemas.microsoft.com/office/drawing/2010/main" xmlns="" w="9525">
+                  <a14:hiddenLine xmlns="" xmlns:a14="http://schemas.microsoft.com/office/drawing/2010/main" w="9525">
                     <a:solidFill>
                       <a:srgbClr val="000000"/>
                     </a:solidFill>
@@ -11528,7 +11528,7 @@
               </a:ln>
               <a:extLst>
                 <a:ext uri="{91240B29-F687-4f45-9708-019B960494DF}">
-                  <a14:hiddenLine xmlns:a14="http://schemas.microsoft.com/office/drawing/2010/main" xmlns="" w="9525">
+                  <a14:hiddenLine xmlns="" xmlns:a14="http://schemas.microsoft.com/office/drawing/2010/main" w="9525">
                     <a:solidFill>
                       <a:srgbClr val="000000"/>
                     </a:solidFill>
@@ -11590,7 +11590,7 @@
               </a:ln>
               <a:extLst>
                 <a:ext uri="{91240B29-F687-4f45-9708-019B960494DF}">
-                  <a14:hiddenLine xmlns:a14="http://schemas.microsoft.com/office/drawing/2010/main" xmlns="" w="9525">
+                  <a14:hiddenLine xmlns="" xmlns:a14="http://schemas.microsoft.com/office/drawing/2010/main" w="9525">
                     <a:solidFill>
                       <a:srgbClr val="000000"/>
                     </a:solidFill>
@@ -11680,7 +11680,7 @@
               </a:ln>
               <a:extLst>
                 <a:ext uri="{91240B29-F687-4f45-9708-019B960494DF}">
-                  <a14:hiddenLine xmlns:a14="http://schemas.microsoft.com/office/drawing/2010/main" xmlns="" w="9525">
+                  <a14:hiddenLine xmlns="" xmlns:a14="http://schemas.microsoft.com/office/drawing/2010/main" w="9525">
                     <a:solidFill>
                       <a:srgbClr val="000000"/>
                     </a:solidFill>
@@ -11770,7 +11770,7 @@
               </a:ln>
               <a:extLst>
                 <a:ext uri="{91240B29-F687-4f45-9708-019B960494DF}">
-                  <a14:hiddenLine xmlns:a14="http://schemas.microsoft.com/office/drawing/2010/main" xmlns="" w="9525">
+                  <a14:hiddenLine xmlns="" xmlns:a14="http://schemas.microsoft.com/office/drawing/2010/main" w="9525">
                     <a:solidFill>
                       <a:srgbClr val="000000"/>
                     </a:solidFill>
@@ -11835,7 +11835,7 @@
               </a:ln>
               <a:extLst>
                 <a:ext uri="{91240B29-F687-4f45-9708-019B960494DF}">
-                  <a14:hiddenLine xmlns:a14="http://schemas.microsoft.com/office/drawing/2010/main" xmlns="" w="9525">
+                  <a14:hiddenLine xmlns="" xmlns:a14="http://schemas.microsoft.com/office/drawing/2010/main" w="9525">
                     <a:solidFill>
                       <a:srgbClr val="000000"/>
                     </a:solidFill>
@@ -11955,7 +11955,7 @@
               </a:ln>
               <a:extLst>
                 <a:ext uri="{91240B29-F687-4f45-9708-019B960494DF}">
-                  <a14:hiddenLine xmlns:a14="http://schemas.microsoft.com/office/drawing/2010/main" xmlns="" w="9525">
+                  <a14:hiddenLine xmlns="" xmlns:a14="http://schemas.microsoft.com/office/drawing/2010/main" w="9525">
                     <a:solidFill>
                       <a:srgbClr val="000000"/>
                     </a:solidFill>
@@ -12053,7 +12053,7 @@
               </a:ln>
               <a:extLst>
                 <a:ext uri="{91240B29-F687-4f45-9708-019B960494DF}">
-                  <a14:hiddenLine xmlns:a14="http://schemas.microsoft.com/office/drawing/2010/main" xmlns="" w="9525">
+                  <a14:hiddenLine xmlns="" xmlns:a14="http://schemas.microsoft.com/office/drawing/2010/main" w="9525">
                     <a:solidFill>
                       <a:srgbClr val="000000"/>
                     </a:solidFill>
@@ -12168,7 +12168,7 @@
               </a:ln>
               <a:extLst>
                 <a:ext uri="{91240B29-F687-4f45-9708-019B960494DF}">
-                  <a14:hiddenLine xmlns:a14="http://schemas.microsoft.com/office/drawing/2010/main" xmlns="" w="9525">
+                  <a14:hiddenLine xmlns="" xmlns:a14="http://schemas.microsoft.com/office/drawing/2010/main" w="9525">
                     <a:solidFill>
                       <a:srgbClr val="000000"/>
                     </a:solidFill>
@@ -12258,7 +12258,7 @@
               </a:ln>
               <a:extLst>
                 <a:ext uri="{91240B29-F687-4f45-9708-019B960494DF}">
-                  <a14:hiddenLine xmlns:a14="http://schemas.microsoft.com/office/drawing/2010/main" xmlns="" w="9525">
+                  <a14:hiddenLine xmlns="" xmlns:a14="http://schemas.microsoft.com/office/drawing/2010/main" w="9525">
                     <a:solidFill>
                       <a:srgbClr val="000000"/>
                     </a:solidFill>
@@ -12323,7 +12323,7 @@
               </a:ln>
               <a:extLst>
                 <a:ext uri="{91240B29-F687-4f45-9708-019B960494DF}">
-                  <a14:hiddenLine xmlns:a14="http://schemas.microsoft.com/office/drawing/2010/main" xmlns="" w="9525">
+                  <a14:hiddenLine xmlns="" xmlns:a14="http://schemas.microsoft.com/office/drawing/2010/main" w="9525">
                     <a:solidFill>
                       <a:srgbClr val="000000"/>
                     </a:solidFill>
@@ -12413,7 +12413,7 @@
               </a:ln>
               <a:extLst>
                 <a:ext uri="{91240B29-F687-4f45-9708-019B960494DF}">
-                  <a14:hiddenLine xmlns:a14="http://schemas.microsoft.com/office/drawing/2010/main" xmlns="" w="9525">
+                  <a14:hiddenLine xmlns="" xmlns:a14="http://schemas.microsoft.com/office/drawing/2010/main" w="9525">
                     <a:solidFill>
                       <a:srgbClr val="000000"/>
                     </a:solidFill>
@@ -12481,7 +12481,7 @@
               </a:ln>
               <a:extLst>
                 <a:ext uri="{91240B29-F687-4f45-9708-019B960494DF}">
-                  <a14:hiddenLine xmlns:a14="http://schemas.microsoft.com/office/drawing/2010/main" xmlns="" w="9525">
+                  <a14:hiddenLine xmlns="" xmlns:a14="http://schemas.microsoft.com/office/drawing/2010/main" w="9525">
                     <a:solidFill>
                       <a:srgbClr val="000000"/>
                     </a:solidFill>
@@ -12571,7 +12571,7 @@
               </a:ln>
               <a:extLst>
                 <a:ext uri="{91240B29-F687-4f45-9708-019B960494DF}">
-                  <a14:hiddenLine xmlns:a14="http://schemas.microsoft.com/office/drawing/2010/main" xmlns="" w="9525">
+                  <a14:hiddenLine xmlns="" xmlns:a14="http://schemas.microsoft.com/office/drawing/2010/main" w="9525">
                     <a:solidFill>
                       <a:srgbClr val="000000"/>
                     </a:solidFill>
@@ -12639,7 +12639,7 @@
               </a:ln>
               <a:extLst>
                 <a:ext uri="{91240B29-F687-4f45-9708-019B960494DF}">
-                  <a14:hiddenLine xmlns:a14="http://schemas.microsoft.com/office/drawing/2010/main" xmlns="" w="9525">
+                  <a14:hiddenLine xmlns="" xmlns:a14="http://schemas.microsoft.com/office/drawing/2010/main" w="9525">
                     <a:solidFill>
                       <a:srgbClr val="000000"/>
                     </a:solidFill>
@@ -12729,7 +12729,7 @@
               </a:ln>
               <a:extLst>
                 <a:ext uri="{91240B29-F687-4f45-9708-019B960494DF}">
-                  <a14:hiddenLine xmlns:a14="http://schemas.microsoft.com/office/drawing/2010/main" xmlns="" w="9525">
+                  <a14:hiddenLine xmlns="" xmlns:a14="http://schemas.microsoft.com/office/drawing/2010/main" w="9525">
                     <a:solidFill>
                       <a:srgbClr val="000000"/>
                     </a:solidFill>
@@ -12763,7 +12763,7 @@
               </a:ln>
               <a:extLst>
                 <a:ext uri="{91240B29-F687-4f45-9708-019B960494DF}">
-                  <a14:hiddenLine xmlns:a14="http://schemas.microsoft.com/office/drawing/2010/main" xmlns="" w="9525">
+                  <a14:hiddenLine xmlns="" xmlns:a14="http://schemas.microsoft.com/office/drawing/2010/main" w="9525">
                     <a:solidFill>
                       <a:srgbClr val="000000"/>
                     </a:solidFill>
@@ -12904,7 +12904,7 @@
             <a:fld id="{B61BEF0D-F0BB-DE4B-95CE-6DB70DBA9567}" type="datetimeFigureOut">
               <a:rPr lang="en-US" smtClean="0"/>
               <a:pPr/>
-              <a:t>11/18/2024</a:t>
+              <a:t>11/19/2024</a:t>
             </a:fld>
             <a:endParaRPr lang="en-US" dirty="0"/>
           </a:p>
@@ -13572,7 +13572,183 @@
                 <a:ea typeface="Calibri" pitchFamily="34" charset="-122"/>
                 <a:cs typeface="Calibri" pitchFamily="34" charset="-120"/>
               </a:rPr>
-              <a:t>Этот анализ RFM (Recency, Frequency, Monetary Value) предоставляет глубокое понимание поведения клиентов магазина нижнего белья.  Мы разделим клиентов на сегменты, основанные на недавности покупки, частоте покупок и сумме покупок.  Это позволит определить наиболее ценных клиентов и разработать персонализированные маркетинговые стратегии для каждого сегмента.  Результат анализа поможет повысить эффективность продаж и лояльность клиентов.</a:t>
+              <a:t>RFM </a:t>
+            </a:r>
+            <a:r>
+              <a:rPr lang="ru-RU" sz="1600" dirty="0">
+                <a:solidFill>
+                  <a:srgbClr val="000000"/>
+                </a:solidFill>
+                <a:latin typeface="Calibri" pitchFamily="34" charset="0"/>
+                <a:ea typeface="Calibri" pitchFamily="34" charset="-122"/>
+                <a:cs typeface="Calibri" pitchFamily="34" charset="-120"/>
+              </a:rPr>
+              <a:t>– анализ </a:t>
+            </a:r>
+            <a:r>
+              <a:rPr lang="en-US" sz="1600" dirty="0">
+                <a:solidFill>
+                  <a:srgbClr val="000000"/>
+                </a:solidFill>
+                <a:latin typeface="Calibri" pitchFamily="34" charset="0"/>
+                <a:ea typeface="Calibri" pitchFamily="34" charset="-122"/>
+                <a:cs typeface="Calibri" pitchFamily="34" charset="-120"/>
+              </a:rPr>
+              <a:t>(Recency, Frequency, Monetary Value) </a:t>
+            </a:r>
+            <a:r>
+              <a:rPr lang="ru-RU" sz="1600" dirty="0">
+                <a:solidFill>
+                  <a:srgbClr val="000000"/>
+                </a:solidFill>
+                <a:latin typeface="Calibri" pitchFamily="34" charset="0"/>
+                <a:ea typeface="Calibri" pitchFamily="34" charset="-122"/>
+                <a:cs typeface="Calibri" pitchFamily="34" charset="-120"/>
+              </a:rPr>
+              <a:t>сделан для </a:t>
+            </a:r>
+            <a:r>
+              <a:rPr lang="en-US" sz="1600" dirty="0" err="1">
+                <a:solidFill>
+                  <a:srgbClr val="000000"/>
+                </a:solidFill>
+                <a:latin typeface="Calibri" pitchFamily="34" charset="0"/>
+                <a:ea typeface="Calibri" pitchFamily="34" charset="-122"/>
+                <a:cs typeface="Calibri" pitchFamily="34" charset="-120"/>
+              </a:rPr>
+              <a:t>понимани</a:t>
+            </a:r>
+            <a:r>
+              <a:rPr lang="ru-RU" sz="1600" dirty="0">
+                <a:solidFill>
+                  <a:srgbClr val="000000"/>
+                </a:solidFill>
+                <a:latin typeface="Calibri" pitchFamily="34" charset="0"/>
+                <a:ea typeface="Calibri" pitchFamily="34" charset="-122"/>
+                <a:cs typeface="Calibri" pitchFamily="34" charset="-120"/>
+              </a:rPr>
+              <a:t>я</a:t>
+            </a:r>
+            <a:r>
+              <a:rPr lang="en-US" sz="1600" dirty="0">
+                <a:solidFill>
+                  <a:srgbClr val="000000"/>
+                </a:solidFill>
+                <a:latin typeface="Calibri" pitchFamily="34" charset="0"/>
+                <a:ea typeface="Calibri" pitchFamily="34" charset="-122"/>
+                <a:cs typeface="Calibri" pitchFamily="34" charset="-120"/>
+              </a:rPr>
+              <a:t> поведения клиентов магазина нижнего белья.  </a:t>
+            </a:r>
+            <a:r>
+              <a:rPr lang="en-US" sz="1600" dirty="0" err="1">
+                <a:solidFill>
+                  <a:srgbClr val="000000"/>
+                </a:solidFill>
+                <a:latin typeface="Calibri" pitchFamily="34" charset="0"/>
+                <a:ea typeface="Calibri" pitchFamily="34" charset="-122"/>
+                <a:cs typeface="Calibri" pitchFamily="34" charset="-120"/>
+              </a:rPr>
+              <a:t>Мы</a:t>
+            </a:r>
+            <a:r>
+              <a:rPr lang="en-US" sz="1600" dirty="0">
+                <a:solidFill>
+                  <a:srgbClr val="000000"/>
+                </a:solidFill>
+                <a:latin typeface="Calibri" pitchFamily="34" charset="0"/>
+                <a:ea typeface="Calibri" pitchFamily="34" charset="-122"/>
+                <a:cs typeface="Calibri" pitchFamily="34" charset="-120"/>
+              </a:rPr>
+              <a:t> </a:t>
+            </a:r>
+            <a:r>
+              <a:rPr lang="en-US" sz="1600" dirty="0" err="1">
+                <a:solidFill>
+                  <a:srgbClr val="000000"/>
+                </a:solidFill>
+                <a:latin typeface="Calibri" pitchFamily="34" charset="0"/>
+                <a:ea typeface="Calibri" pitchFamily="34" charset="-122"/>
+                <a:cs typeface="Calibri" pitchFamily="34" charset="-120"/>
+              </a:rPr>
+              <a:t>раздели</a:t>
+            </a:r>
+            <a:r>
+              <a:rPr lang="ru-RU" sz="1600" dirty="0">
+                <a:solidFill>
+                  <a:srgbClr val="000000"/>
+                </a:solidFill>
+                <a:latin typeface="Calibri" pitchFamily="34" charset="0"/>
+                <a:ea typeface="Calibri" pitchFamily="34" charset="-122"/>
+                <a:cs typeface="Calibri" pitchFamily="34" charset="-120"/>
+              </a:rPr>
+              <a:t>ли</a:t>
+            </a:r>
+            <a:r>
+              <a:rPr lang="en-US" sz="1600" dirty="0">
+                <a:solidFill>
+                  <a:srgbClr val="000000"/>
+                </a:solidFill>
+                <a:latin typeface="Calibri" pitchFamily="34" charset="0"/>
+                <a:ea typeface="Calibri" pitchFamily="34" charset="-122"/>
+                <a:cs typeface="Calibri" pitchFamily="34" charset="-120"/>
+              </a:rPr>
+              <a:t> клиентов на сегменты, основанные </a:t>
+            </a:r>
+            <a:r>
+              <a:rPr lang="en-US" sz="1600" dirty="0" err="1">
+                <a:solidFill>
+                  <a:srgbClr val="000000"/>
+                </a:solidFill>
+                <a:latin typeface="Calibri" pitchFamily="34" charset="0"/>
+                <a:ea typeface="Calibri" pitchFamily="34" charset="-122"/>
+                <a:cs typeface="Calibri" pitchFamily="34" charset="-120"/>
+              </a:rPr>
+              <a:t>на</a:t>
+            </a:r>
+            <a:r>
+              <a:rPr lang="en-US" sz="1600" dirty="0">
+                <a:solidFill>
+                  <a:srgbClr val="000000"/>
+                </a:solidFill>
+                <a:latin typeface="Calibri" pitchFamily="34" charset="0"/>
+                <a:ea typeface="Calibri" pitchFamily="34" charset="-122"/>
+                <a:cs typeface="Calibri" pitchFamily="34" charset="-120"/>
+              </a:rPr>
+              <a:t> </a:t>
+            </a:r>
+            <a:r>
+              <a:rPr lang="ru-RU" sz="1600" dirty="0">
+                <a:solidFill>
+                  <a:srgbClr val="000000"/>
+                </a:solidFill>
+                <a:latin typeface="Calibri" pitchFamily="34" charset="0"/>
+                <a:ea typeface="Calibri" pitchFamily="34" charset="-122"/>
+                <a:cs typeface="Calibri" pitchFamily="34" charset="-120"/>
+              </a:rPr>
+              <a:t>относительной давности </a:t>
+            </a:r>
+            <a:r>
+              <a:rPr lang="en-US" sz="1600" dirty="0" err="1">
+                <a:solidFill>
+                  <a:srgbClr val="000000"/>
+                </a:solidFill>
+                <a:latin typeface="Calibri" pitchFamily="34" charset="0"/>
+                <a:ea typeface="Calibri" pitchFamily="34" charset="-122"/>
+                <a:cs typeface="Calibri" pitchFamily="34" charset="-120"/>
+              </a:rPr>
+              <a:t>покупки</a:t>
+            </a:r>
+            <a:r>
+              <a:rPr lang="en-US" sz="1600" dirty="0">
+                <a:solidFill>
+                  <a:srgbClr val="000000"/>
+                </a:solidFill>
+                <a:latin typeface="Calibri" pitchFamily="34" charset="0"/>
+                <a:ea typeface="Calibri" pitchFamily="34" charset="-122"/>
+                <a:cs typeface="Calibri" pitchFamily="34" charset="-120"/>
+              </a:rPr>
+              <a:t>, частоте покупок и сумме покупок.  Это позволит определить наиболее ценных клиентов и разработать персонализированные маркетинговые стратегии для каждого сегмента.  Результат анализа поможет повысить эффективность продаж и лояльность клиентов.</a:t>
             </a:r>
             <a:endParaRPr lang="en-US" sz="1600" dirty="0"/>
           </a:p>
@@ -15090,15 +15266,6 @@
               <a:srgbClr val="FFFFFF"/>
             </a:contourClr>
           </a:sp3d>
-          <a:extLst>
-            <a:ext uri="{909E8E84-426E-40DD-AFC4-6F175D3DCCD1}">
-              <a14:hiddenFill xmlns:a14="http://schemas.microsoft.com/office/drawing/2010/main">
-                <a:solidFill>
-                  <a:srgbClr val="FFFFFF"/>
-                </a:solidFill>
-              </a14:hiddenFill>
-            </a:ext>
-          </a:extLst>
         </p:spPr>
       </p:pic>
     </p:spTree>
